--- a/IROS17/pictures/pdf/twoRobotRegion.pptx
+++ b/IROS17/pictures/pdf/twoRobotRegion.pptx
@@ -288,7 +288,7 @@
           <a:p>
             <a:fld id="{F6D6B451-1FDA-7B46-B0DD-5E4B6F79F8BF}" type="datetimeFigureOut">
               <a:rPr lang="en-US" smtClean="0"/>
-              <a:t>2/8/17</a:t>
+              <a:t>2/17/17</a:t>
             </a:fld>
             <a:endParaRPr lang="en-US"/>
           </a:p>
@@ -458,7 +458,7 @@
           <a:p>
             <a:fld id="{F6D6B451-1FDA-7B46-B0DD-5E4B6F79F8BF}" type="datetimeFigureOut">
               <a:rPr lang="en-US" smtClean="0"/>
-              <a:t>2/8/17</a:t>
+              <a:t>2/17/17</a:t>
             </a:fld>
             <a:endParaRPr lang="en-US"/>
           </a:p>
@@ -638,7 +638,7 @@
           <a:p>
             <a:fld id="{F6D6B451-1FDA-7B46-B0DD-5E4B6F79F8BF}" type="datetimeFigureOut">
               <a:rPr lang="en-US" smtClean="0"/>
-              <a:t>2/8/17</a:t>
+              <a:t>2/17/17</a:t>
             </a:fld>
             <a:endParaRPr lang="en-US"/>
           </a:p>
@@ -808,7 +808,7 @@
           <a:p>
             <a:fld id="{F6D6B451-1FDA-7B46-B0DD-5E4B6F79F8BF}" type="datetimeFigureOut">
               <a:rPr lang="en-US" smtClean="0"/>
-              <a:t>2/8/17</a:t>
+              <a:t>2/17/17</a:t>
             </a:fld>
             <a:endParaRPr lang="en-US"/>
           </a:p>
@@ -1054,7 +1054,7 @@
           <a:p>
             <a:fld id="{F6D6B451-1FDA-7B46-B0DD-5E4B6F79F8BF}" type="datetimeFigureOut">
               <a:rPr lang="en-US" smtClean="0"/>
-              <a:t>2/8/17</a:t>
+              <a:t>2/17/17</a:t>
             </a:fld>
             <a:endParaRPr lang="en-US"/>
           </a:p>
@@ -1342,7 +1342,7 @@
           <a:p>
             <a:fld id="{F6D6B451-1FDA-7B46-B0DD-5E4B6F79F8BF}" type="datetimeFigureOut">
               <a:rPr lang="en-US" smtClean="0"/>
-              <a:t>2/8/17</a:t>
+              <a:t>2/17/17</a:t>
             </a:fld>
             <a:endParaRPr lang="en-US"/>
           </a:p>
@@ -1769,7 +1769,7 @@
           <a:p>
             <a:fld id="{F6D6B451-1FDA-7B46-B0DD-5E4B6F79F8BF}" type="datetimeFigureOut">
               <a:rPr lang="en-US" smtClean="0"/>
-              <a:t>2/8/17</a:t>
+              <a:t>2/17/17</a:t>
             </a:fld>
             <a:endParaRPr lang="en-US"/>
           </a:p>
@@ -1887,7 +1887,7 @@
           <a:p>
             <a:fld id="{F6D6B451-1FDA-7B46-B0DD-5E4B6F79F8BF}" type="datetimeFigureOut">
               <a:rPr lang="en-US" smtClean="0"/>
-              <a:t>2/8/17</a:t>
+              <a:t>2/17/17</a:t>
             </a:fld>
             <a:endParaRPr lang="en-US"/>
           </a:p>
@@ -1982,7 +1982,7 @@
           <a:p>
             <a:fld id="{F6D6B451-1FDA-7B46-B0DD-5E4B6F79F8BF}" type="datetimeFigureOut">
               <a:rPr lang="en-US" smtClean="0"/>
-              <a:t>2/8/17</a:t>
+              <a:t>2/17/17</a:t>
             </a:fld>
             <a:endParaRPr lang="en-US"/>
           </a:p>
@@ -2259,7 +2259,7 @@
           <a:p>
             <a:fld id="{F6D6B451-1FDA-7B46-B0DD-5E4B6F79F8BF}" type="datetimeFigureOut">
               <a:rPr lang="en-US" smtClean="0"/>
-              <a:t>2/8/17</a:t>
+              <a:t>2/17/17</a:t>
             </a:fld>
             <a:endParaRPr lang="en-US"/>
           </a:p>
@@ -2512,7 +2512,7 @@
           <a:p>
             <a:fld id="{F6D6B451-1FDA-7B46-B0DD-5E4B6F79F8BF}" type="datetimeFigureOut">
               <a:rPr lang="en-US" smtClean="0"/>
-              <a:t>2/8/17</a:t>
+              <a:t>2/17/17</a:t>
             </a:fld>
             <a:endParaRPr lang="en-US"/>
           </a:p>
@@ -2725,7 +2725,7 @@
           <a:p>
             <a:fld id="{F6D6B451-1FDA-7B46-B0DD-5E4B6F79F8BF}" type="datetimeFigureOut">
               <a:rPr lang="en-US" smtClean="0"/>
-              <a:t>2/8/17</a:t>
+              <a:t>2/17/17</a:t>
             </a:fld>
             <a:endParaRPr lang="en-US"/>
           </a:p>
@@ -3130,6 +3130,43 @@
           </a:prstGeom>
         </p:spPr>
       </p:pic>
+      <p:cxnSp>
+        <p:nvCxnSpPr>
+          <p:cNvPr id="3" name="Straight Connector 2"/>
+          <p:cNvCxnSpPr/>
+          <p:nvPr/>
+        </p:nvCxnSpPr>
+        <p:spPr>
+          <a:xfrm>
+            <a:off x="1977571" y="6658439"/>
+            <a:ext cx="4680857" cy="0"/>
+          </a:xfrm>
+          <a:prstGeom prst="line">
+            <a:avLst/>
+          </a:prstGeom>
+          <a:ln w="76200" cmpd="sng">
+            <a:solidFill>
+              <a:srgbClr val="008000">
+                <a:alpha val="70000"/>
+              </a:srgbClr>
+            </a:solidFill>
+          </a:ln>
+        </p:spPr>
+        <p:style>
+          <a:lnRef idx="2">
+            <a:schemeClr val="accent1"/>
+          </a:lnRef>
+          <a:fillRef idx="0">
+            <a:schemeClr val="accent1"/>
+          </a:fillRef>
+          <a:effectRef idx="1">
+            <a:schemeClr val="accent1"/>
+          </a:effectRef>
+          <a:fontRef idx="minor">
+            <a:schemeClr val="tx1"/>
+          </a:fontRef>
+        </p:style>
+      </p:cxnSp>
       <p:cxnSp>
         <p:nvCxnSpPr>
           <p:cNvPr id="7" name="Straight Connector 6"/>
